--- a/GLTaxiAgg-BookingandTrackingSystem.pptx
+++ b/GLTaxiAgg-BookingandTrackingSystem.pptx
@@ -19,7 +19,7 @@
     <p:sldId id="258" r:id="rId10"/>
     <p:sldId id="293" r:id="rId11"/>
     <p:sldId id="294" r:id="rId12"/>
-    <p:sldId id="297" r:id="rId13"/>
+    <p:sldId id="292" r:id="rId13"/>
     <p:sldId id="279" r:id="rId14"/>
     <p:sldId id="285" r:id="rId15"/>
     <p:sldId id="278" r:id="rId16"/>
@@ -9017,45 +9017,73 @@
           </a:p>
         </p:txBody>
       </p:sp>
-      <p:sp>
-        <p:nvSpPr>
-          <p:cNvPr id="4" name="TextBox 3">
+      <p:graphicFrame>
+        <p:nvGraphicFramePr>
+          <p:cNvPr id="6" name="Object 5">
             <a:extLst>
               <a:ext uri="{FF2B5EF4-FFF2-40B4-BE49-F238E27FC236}">
-                <a16:creationId xmlns:a16="http://schemas.microsoft.com/office/drawing/2014/main" id="{17B123F4-244B-FE73-04D7-77B213129CE6}"/>
+                <a16:creationId xmlns:a16="http://schemas.microsoft.com/office/drawing/2014/main" id="{DE71D781-6AF6-477D-AF23-258CD0CB168D}"/>
               </a:ext>
             </a:extLst>
           </p:cNvPr>
-          <p:cNvSpPr txBox="1"/>
-          <p:nvPr/>
-        </p:nvSpPr>
-        <p:spPr>
-          <a:xfrm>
-            <a:off x="538480" y="1463040"/>
-            <a:ext cx="6190199" cy="369332"/>
-          </a:xfrm>
-          <a:prstGeom prst="rect">
-            <a:avLst/>
-          </a:prstGeom>
-          <a:noFill/>
-        </p:spPr>
-        <p:txBody>
-          <a:bodyPr wrap="square" rtlCol="0">
-            <a:spAutoFit/>
-          </a:bodyPr>
-          <a:lstStyle/>
-          <a:p>
-            <a:r>
-              <a:rPr lang="en-IN" dirty="0"/>
-              <a:t>Refer document  “PayLoads.doc” </a:t>
-            </a:r>
-          </a:p>
-        </p:txBody>
-      </p:sp>
+          <p:cNvGraphicFramePr>
+            <a:graphicFrameLocks noChangeAspect="1"/>
+          </p:cNvGraphicFramePr>
+          <p:nvPr>
+            <p:extLst>
+              <p:ext uri="{D42A27DB-BD31-4B8C-83A1-F6EECF244321}">
+                <p14:modId xmlns:p14="http://schemas.microsoft.com/office/powerpoint/2010/main" val="3066838215"/>
+              </p:ext>
+            </p:extLst>
+          </p:nvPr>
+        </p:nvGraphicFramePr>
+        <p:xfrm>
+          <a:off x="2911475" y="1157288"/>
+          <a:ext cx="2598738" cy="3630612"/>
+        </p:xfrm>
+        <a:graphic>
+          <a:graphicData uri="http://schemas.openxmlformats.org/presentationml/2006/ole">
+            <mc:AlternateContent xmlns:mc="http://schemas.openxmlformats.org/markup-compatibility/2006">
+              <mc:Choice xmlns:v="urn:schemas-microsoft-com:vml" Requires="v">
+                <p:oleObj spid="_x0000_s1037" name="Document" r:id="rId3" imgW="7557012" imgH="9546566" progId="Word.Document.12">
+                  <p:embed/>
+                </p:oleObj>
+              </mc:Choice>
+              <mc:Fallback>
+                <p:oleObj name="Document" r:id="rId3" imgW="7557012" imgH="9546566" progId="Word.Document.12">
+                  <p:embed/>
+                  <p:pic>
+                    <p:nvPicPr>
+                      <p:cNvPr id="0" name=""/>
+                      <p:cNvPicPr/>
+                      <p:nvPr/>
+                    </p:nvPicPr>
+                    <p:blipFill>
+                      <a:blip r:embed="rId4"/>
+                      <a:stretch>
+                        <a:fillRect/>
+                      </a:stretch>
+                    </p:blipFill>
+                    <p:spPr>
+                      <a:xfrm>
+                        <a:off x="2911475" y="1157288"/>
+                        <a:ext cx="2598738" cy="3630612"/>
+                      </a:xfrm>
+                      <a:prstGeom prst="rect">
+                        <a:avLst/>
+                      </a:prstGeom>
+                    </p:spPr>
+                  </p:pic>
+                </p:oleObj>
+              </mc:Fallback>
+            </mc:AlternateContent>
+          </a:graphicData>
+        </a:graphic>
+      </p:graphicFrame>
     </p:spTree>
     <p:extLst>
       <p:ext uri="{BB962C8B-B14F-4D97-AF65-F5344CB8AC3E}">
-        <p14:creationId xmlns:p14="http://schemas.microsoft.com/office/powerpoint/2010/main" val="2928507414"/>
+        <p14:creationId xmlns:p14="http://schemas.microsoft.com/office/powerpoint/2010/main" val="24876875"/>
       </p:ext>
     </p:extLst>
   </p:cSld>
@@ -9256,6 +9284,20 @@
           <a:p>
             <a:r>
               <a:rPr lang="en-US" dirty="0"/>
+              <a:t>Infrastructure automation </a:t>
+            </a:r>
+            <a:r>
+              <a:rPr lang="en-US"/>
+              <a:t>using Terraform </a:t>
+            </a:r>
+            <a:r>
+              <a:rPr lang="en-US" dirty="0"/>
+              <a:t>or CloudFormation</a:t>
+            </a:r>
+          </a:p>
+          <a:p>
+            <a:r>
+              <a:rPr lang="en-US" dirty="0"/>
               <a:t>If the User is eligible for any offers or promotions, it will apply. </a:t>
             </a:r>
           </a:p>
@@ -9274,7 +9316,7 @@
           <a:p>
             <a:r>
               <a:rPr lang="en-US" dirty="0"/>
-              <a:t>Advance UI </a:t>
+              <a:t>Advance UI  and deployment done using containerization</a:t>
             </a:r>
           </a:p>
           <a:p>
@@ -9857,107 +9899,20 @@
           <a:p>
             <a:r>
               <a:rPr lang="en-US" dirty="0"/>
-              <a:t>The Taxi Co-Op wants to build a competing solution to existing cab aggregators .</a:t>
+              <a:t>The Taxi Co-Op wants to build a competing solution to existing cab aggregators while keeping the power in the hands of users and drivers. We are developing a system to store real-time cab locations, respond to demands from customers based on proximity matches with available drivers. The whole solution are run on AWS.</a:t>
             </a:r>
           </a:p>
           <a:p>
             <a:r>
               <a:rPr lang="en-US" dirty="0"/>
-              <a:t>We have developed a system </a:t>
-            </a:r>
-          </a:p>
-          <a:p>
-            <a:pPr lvl="1">
-              <a:buFont typeface="Wingdings" panose="05000000000000000000" pitchFamily="2" charset="2"/>
-              <a:buChar char="§"/>
-            </a:pPr>
-            <a:r>
-              <a:rPr lang="en-US" sz="1400" dirty="0"/>
-              <a:t>To store real-time cab locations</a:t>
-            </a:r>
-          </a:p>
-          <a:p>
-            <a:pPr lvl="1">
-              <a:buFont typeface="Wingdings" panose="05000000000000000000" pitchFamily="2" charset="2"/>
-              <a:buChar char="§"/>
-            </a:pPr>
-            <a:r>
-              <a:rPr lang="en-US" sz="1400" dirty="0"/>
-              <a:t>Respond to demands from customers based on proximity matches with available drivers. </a:t>
+              <a:t>This project is with limited scope to complete the basic requirements. Each user can make a request for a taxi at any time. They should be able to specify a taxi type preference including ‘All’. </a:t>
             </a:r>
           </a:p>
           <a:p>
             <a:r>
               <a:rPr lang="en-US" dirty="0"/>
-              <a:t>This project is with limited scope to complete the basic requirements like</a:t>
-            </a:r>
-          </a:p>
-          <a:p>
-            <a:pPr lvl="1">
-              <a:buFont typeface="Wingdings" panose="05000000000000000000" pitchFamily="2" charset="2"/>
-              <a:buChar char="§"/>
-            </a:pPr>
-            <a:r>
-              <a:rPr lang="en-US" sz="1400" dirty="0"/>
-              <a:t>user can make a request for a taxi at any time. </a:t>
-            </a:r>
-          </a:p>
-          <a:p>
-            <a:pPr lvl="1">
-              <a:buFont typeface="Wingdings" panose="05000000000000000000" pitchFamily="2" charset="2"/>
-              <a:buChar char="§"/>
-            </a:pPr>
-            <a:r>
-              <a:rPr lang="en-US" sz="1400" dirty="0"/>
-              <a:t>User should be able to specify a taxi type preference including ‘All’. </a:t>
-            </a:r>
-          </a:p>
-          <a:p>
-            <a:pPr lvl="1">
-              <a:buFont typeface="Wingdings" panose="05000000000000000000" pitchFamily="2" charset="2"/>
-              <a:buChar char="§"/>
-            </a:pPr>
-            <a:r>
-              <a:rPr lang="en-US" sz="1400" dirty="0"/>
-              <a:t>System will respond to a user’s request with a limited list of closest taxis with given taxi type</a:t>
-            </a:r>
-          </a:p>
-          <a:p>
-            <a:pPr lvl="1">
-              <a:buFont typeface="Wingdings" panose="05000000000000000000" pitchFamily="2" charset="2"/>
-              <a:buChar char="§"/>
-            </a:pPr>
-            <a:r>
-              <a:rPr lang="en-US" sz="1400" dirty="0"/>
-              <a:t>While doing the proximity matching using logic in the  application code, we have used geospatial </a:t>
-            </a:r>
-            <a:r>
-              <a:rPr lang="en-US" sz="1400"/>
-              <a:t>features of Document </a:t>
-            </a:r>
-            <a:r>
-              <a:rPr lang="en-US" sz="1400" dirty="0"/>
-              <a:t>DB to automatically find relevant taxis</a:t>
-            </a:r>
-            <a:r>
-              <a:rPr lang="en-US" dirty="0"/>
-              <a:t>.</a:t>
-            </a:r>
-          </a:p>
-          <a:p>
-            <a:endParaRPr lang="en-US" dirty="0"/>
-          </a:p>
-          <a:p>
-            <a:pPr marL="0" indent="0">
-              <a:buNone/>
-            </a:pPr>
-            <a:r>
-              <a:rPr lang="en-US" b="1" dirty="0"/>
-              <a:t>The whole solution is running on AWS.</a:t>
-            </a:r>
-          </a:p>
-          <a:p>
-            <a:endParaRPr lang="en-US" dirty="0"/>
+              <a:t>System will respond to a user’s request with a limited list of closest taxis that match the requested taxi type. While doing the proximity matching using logic in the  application code, the easier and preferable option is to use geospatial features in the database to automatically find relevant taxis.</a:t>
+            </a:r>
           </a:p>
           <a:p>
             <a:endParaRPr lang="en-US" dirty="0"/>
@@ -10633,10 +10588,10 @@
         </p:nvGrpSpPr>
         <p:grpSpPr>
           <a:xfrm>
-            <a:off x="107639" y="2922374"/>
-            <a:ext cx="3075296" cy="1550961"/>
-            <a:chOff x="2761397" y="1023581"/>
-            <a:chExt cx="1542197" cy="1558713"/>
+            <a:off x="103091" y="2917825"/>
+            <a:ext cx="3079845" cy="1703256"/>
+            <a:chOff x="2759116" y="1019009"/>
+            <a:chExt cx="1544478" cy="1711769"/>
           </a:xfrm>
         </p:grpSpPr>
         <p:sp>
@@ -10653,8 +10608,8 @@
           </p:nvSpPr>
           <p:spPr>
             <a:xfrm>
-              <a:off x="2761397" y="1023581"/>
-              <a:ext cx="1542197" cy="1558713"/>
+              <a:off x="2759116" y="1019009"/>
+              <a:ext cx="1542197" cy="1711769"/>
             </a:xfrm>
             <a:prstGeom prst="rect">
               <a:avLst/>
@@ -10682,6 +10637,20 @@
           <p:txBody>
             <a:bodyPr rtlCol="0" anchor="ctr"/>
             <a:lstStyle/>
+            <a:p>
+              <a:endParaRPr lang="en-US" sz="1200" dirty="0">
+                <a:solidFill>
+                  <a:schemeClr val="tx2"/>
+                </a:solidFill>
+              </a:endParaRPr>
+            </a:p>
+            <a:p>
+              <a:endParaRPr lang="en-US" sz="1200" dirty="0">
+                <a:solidFill>
+                  <a:schemeClr val="tx2"/>
+                </a:solidFill>
+              </a:endParaRPr>
+            </a:p>
             <a:p>
               <a:r>
                 <a:rPr lang="en-US" sz="1400" dirty="0">
@@ -10721,6 +10690,33 @@
                 </a:rPr>
                 <a:t>email: string</a:t>
               </a:r>
+            </a:p>
+            <a:p>
+              <a:r>
+                <a:rPr lang="en-US" sz="1400" dirty="0">
+                  <a:solidFill>
+                    <a:schemeClr val="tx2"/>
+                  </a:solidFill>
+                </a:rPr>
+                <a:t>hired: string</a:t>
+              </a:r>
+            </a:p>
+            <a:p>
+              <a:r>
+                <a:rPr lang="en-US" sz="1400" dirty="0">
+                  <a:solidFill>
+                    <a:schemeClr val="tx2"/>
+                  </a:solidFill>
+                </a:rPr>
+                <a:t>type: string</a:t>
+              </a:r>
+            </a:p>
+            <a:p>
+              <a:endParaRPr lang="en-US" sz="1400" dirty="0">
+                <a:solidFill>
+                  <a:schemeClr val="tx2"/>
+                </a:solidFill>
+              </a:endParaRPr>
             </a:p>
           </p:txBody>
         </p:sp>
